--- a/Presentation/CMG_LAB_Report.pptx
+++ b/Presentation/CMG_LAB_Report.pptx
@@ -277,7 +277,7 @@
       </p15:sldGuideLst>
     </p:ext>
     <p:ext uri="http://customooxmlschemas.google.com/">
-      <go:slidesCustomData xmlns="" xmlns:mc="http://schemas.openxmlformats.org/markup-compatibility/2006" xmlns:mv="urn:schemas-microsoft-com:mac:vml" xmlns:c="http://schemas.openxmlformats.org/drawingml/2006/chart" xmlns:dgm="http://schemas.openxmlformats.org/drawingml/2006/diagram" xmlns:o="urn:schemas-microsoft-com:office:office" xmlns:v="urn:schemas-microsoft-com:vml" xmlns:pvml="urn:schemas-microsoft-com:office:powerpoint" xmlns:com="http://schemas.openxmlformats.org/drawingml/2006/compatibility" xmlns:p14="http://schemas.microsoft.com/office/powerpoint/2010/main" xmlns:p15="http://schemas.microsoft.com/office/powerpoint/2012/main" xmlns:ahyp="http://schemas.microsoft.com/office/drawing/2018/hyperlinkcolor" xmlns:go="http://customooxmlschemas.google.com/" r:id="rId20" roundtripDataSignature="AMtx7minmbmKuyYuCvn807+XGul1fyTWDQ=="/>
+      <go:slidesCustomData xmlns:go="http://customooxmlschemas.google.com/" xmlns:ahyp="http://schemas.microsoft.com/office/drawing/2018/hyperlinkcolor" xmlns:p15="http://schemas.microsoft.com/office/powerpoint/2012/main" xmlns:p14="http://schemas.microsoft.com/office/powerpoint/2010/main" xmlns:com="http://schemas.openxmlformats.org/drawingml/2006/compatibility" xmlns:pvml="urn:schemas-microsoft-com:office:powerpoint" xmlns:v="urn:schemas-microsoft-com:vml" xmlns:o="urn:schemas-microsoft-com:office:office" xmlns:dgm="http://schemas.openxmlformats.org/drawingml/2006/diagram" xmlns:c="http://schemas.openxmlformats.org/drawingml/2006/chart" xmlns:mv="urn:schemas-microsoft-com:mac:vml" xmlns:mc="http://schemas.openxmlformats.org/markup-compatibility/2006" xmlns="" r:id="rId20" roundtripDataSignature="AMtx7minmbmKuyYuCvn807+XGul1fyTWDQ=="/>
     </p:ext>
   </p:extLst>
 </p:presentation>
@@ -1236,7 +1236,7 @@
         </p:nvSpPr>
         <p:spPr>
           <a:xfrm>
-            <a:off x="381300" y="685800"/>
+            <a:off x="381000" y="685800"/>
             <a:ext cx="6096000" cy="3429000"/>
           </a:xfrm>
           <a:custGeom>
@@ -12601,8 +12601,92 @@
               <a:buNone/>
             </a:pPr>
             <a:r>
+              <a:rPr lang="it" dirty="0"/>
+              <a:t>Prokka</a:t>
+            </a:r>
+            <a:endParaRPr dirty="0"/>
+          </a:p>
+          <a:p>
+            <a:pPr marL="0" lvl="0" indent="0" algn="l" rtl="0">
+              <a:spcBef>
+                <a:spcPts val="0"/>
+              </a:spcBef>
+              <a:spcAft>
+                <a:spcPts val="0"/>
+              </a:spcAft>
+              <a:buNone/>
+            </a:pPr>
+            <a:endParaRPr sz="1200" dirty="0"/>
+          </a:p>
+          <a:p>
+            <a:pPr marL="0" lvl="0" indent="0" algn="l" rtl="0">
+              <a:spcBef>
+                <a:spcPts val="0"/>
+              </a:spcBef>
+              <a:spcAft>
+                <a:spcPts val="0"/>
+              </a:spcAft>
+              <a:buNone/>
+            </a:pPr>
+            <a:endParaRPr dirty="0"/>
+          </a:p>
+          <a:p>
+            <a:pPr marL="0" lvl="0" indent="0" algn="l" rtl="0">
+              <a:spcBef>
+                <a:spcPts val="0"/>
+              </a:spcBef>
+              <a:spcAft>
+                <a:spcPts val="0"/>
+              </a:spcAft>
+              <a:buNone/>
+            </a:pPr>
+            <a:r>
+              <a:rPr lang="it" dirty="0"/>
+              <a:t>Roary</a:t>
+            </a:r>
+            <a:endParaRPr dirty="0"/>
+          </a:p>
+          <a:p>
+            <a:pPr marL="0" lvl="0" indent="0" algn="l" rtl="0">
+              <a:spcBef>
+                <a:spcPts val="0"/>
+              </a:spcBef>
+              <a:spcAft>
+                <a:spcPts val="0"/>
+              </a:spcAft>
+              <a:buNone/>
+            </a:pPr>
+            <a:r>
+              <a:rPr lang="it" dirty="0"/>
+              <a:t>(Core Gene Alignment)</a:t>
+            </a:r>
+            <a:endParaRPr dirty="0"/>
+          </a:p>
+          <a:p>
+            <a:pPr marL="0" lvl="0" indent="0" algn="l" rtl="0">
+              <a:spcBef>
+                <a:spcPts val="0"/>
+              </a:spcBef>
+              <a:spcAft>
+                <a:spcPts val="0"/>
+              </a:spcAft>
+              <a:buNone/>
+            </a:pPr>
+            <a:endParaRPr dirty="0"/>
+          </a:p>
+          <a:p>
+            <a:pPr marL="0" lvl="0" indent="0" algn="l" rtl="0">
+              <a:spcBef>
+                <a:spcPts val="0"/>
+              </a:spcBef>
+              <a:spcAft>
+                <a:spcPts val="0"/>
+              </a:spcAft>
+              <a:buNone/>
+            </a:pPr>
+            <a:r>
               <a:rPr lang="it"/>
-              <a:t>Prokka</a:t>
+              <a:t>FastTreeMP</a:t>
             </a:r>
             <a:endParaRPr/>
           </a:p>
@@ -12616,7 +12700,15 @@
               </a:spcAft>
               <a:buNone/>
             </a:pPr>
-            <a:endParaRPr sz="1200"/>
+            <a:r>
+              <a:rPr lang="it" dirty="0"/>
+              <a:t>Web Visualiser </a:t>
+            </a:r>
+            <a:r>
+              <a:rPr lang="it" i="1" dirty="0"/>
+              <a:t>(iTOL)</a:t>
+            </a:r>
+            <a:endParaRPr i="1" dirty="0"/>
           </a:p>
           <a:p>
             <a:pPr marL="0" lvl="0" indent="0" algn="l" rtl="0">
@@ -12628,7 +12720,7 @@
               </a:spcAft>
               <a:buNone/>
             </a:pPr>
-            <a:endParaRPr/>
+            <a:endParaRPr i="1" dirty="0"/>
           </a:p>
           <a:p>
             <a:pPr marL="0" lvl="0" indent="0" algn="l" rtl="0">
@@ -12641,102 +12733,10 @@
               <a:buNone/>
             </a:pPr>
             <a:r>
-              <a:rPr lang="it"/>
-              <a:t>Roary</a:t>
-            </a:r>
-            <a:endParaRPr/>
-          </a:p>
-          <a:p>
-            <a:pPr marL="0" lvl="0" indent="0" algn="l" rtl="0">
-              <a:spcBef>
-                <a:spcPts val="0"/>
-              </a:spcBef>
-              <a:spcAft>
-                <a:spcPts val="0"/>
-              </a:spcAft>
-              <a:buNone/>
-            </a:pPr>
-            <a:r>
-              <a:rPr lang="it"/>
-              <a:t>(Core Gene Alignment)</a:t>
-            </a:r>
-            <a:endParaRPr/>
-          </a:p>
-          <a:p>
-            <a:pPr marL="0" lvl="0" indent="0" algn="l" rtl="0">
-              <a:spcBef>
-                <a:spcPts val="0"/>
-              </a:spcBef>
-              <a:spcAft>
-                <a:spcPts val="0"/>
-              </a:spcAft>
-              <a:buNone/>
-            </a:pPr>
-            <a:endParaRPr/>
-          </a:p>
-          <a:p>
-            <a:pPr marL="0" lvl="0" indent="0" algn="l" rtl="0">
-              <a:spcBef>
-                <a:spcPts val="0"/>
-              </a:spcBef>
-              <a:spcAft>
-                <a:spcPts val="0"/>
-              </a:spcAft>
-              <a:buNone/>
-            </a:pPr>
-            <a:r>
-              <a:rPr lang="it"/>
-              <a:t>FastTree</a:t>
-            </a:r>
-            <a:endParaRPr/>
-          </a:p>
-          <a:p>
-            <a:pPr marL="0" lvl="0" indent="0" algn="l" rtl="0">
-              <a:spcBef>
-                <a:spcPts val="0"/>
-              </a:spcBef>
-              <a:spcAft>
-                <a:spcPts val="0"/>
-              </a:spcAft>
-              <a:buNone/>
-            </a:pPr>
-            <a:r>
-              <a:rPr lang="it"/>
-              <a:t>Web Visualiser </a:t>
-            </a:r>
-            <a:r>
-              <a:rPr lang="it" i="1"/>
-              <a:t>(iTOL)</a:t>
-            </a:r>
-            <a:endParaRPr i="1"/>
-          </a:p>
-          <a:p>
-            <a:pPr marL="0" lvl="0" indent="0" algn="l" rtl="0">
-              <a:spcBef>
-                <a:spcPts val="0"/>
-              </a:spcBef>
-              <a:spcAft>
-                <a:spcPts val="0"/>
-              </a:spcAft>
-              <a:buNone/>
-            </a:pPr>
-            <a:endParaRPr i="1"/>
-          </a:p>
-          <a:p>
-            <a:pPr marL="0" lvl="0" indent="0" algn="l" rtl="0">
-              <a:spcBef>
-                <a:spcPts val="0"/>
-              </a:spcBef>
-              <a:spcAft>
-                <a:spcPts val="0"/>
-              </a:spcAft>
-              <a:buNone/>
-            </a:pPr>
-            <a:r>
-              <a:rPr lang="it"/>
+              <a:rPr lang="it" dirty="0"/>
               <a:t>PhyloPhlAn</a:t>
             </a:r>
-            <a:endParaRPr/>
+            <a:endParaRPr dirty="0"/>
           </a:p>
         </p:txBody>
       </p:sp>
